--- a/아이콘.pptx
+++ b/아이콘.pptx
@@ -6,8 +6,11 @@
   </p:sldMasterIdLst>
   <p:sldIdLst>
     <p:sldId id="256" r:id="rId2"/>
-    <p:sldId id="257" r:id="rId3"/>
-    <p:sldId id="258" r:id="rId4"/>
+    <p:sldId id="260" r:id="rId3"/>
+    <p:sldId id="261" r:id="rId4"/>
+    <p:sldId id="259" r:id="rId5"/>
+    <p:sldId id="257" r:id="rId6"/>
+    <p:sldId id="258" r:id="rId7"/>
   </p:sldIdLst>
   <p:sldSz cx="12192000" cy="6858000"/>
   <p:notesSz cx="6858000" cy="9144000"/>
@@ -3424,6 +3427,1583 @@
         </p:nvSpPr>
         <p:spPr>
           <a:xfrm>
+            <a:off x="4451770" y="1782309"/>
+            <a:ext cx="3288455" cy="3288456"/>
+          </a:xfrm>
+          <a:prstGeom prst="rect">
+            <a:avLst/>
+          </a:prstGeom>
+          <a:solidFill>
+            <a:srgbClr val="0096FF"/>
+          </a:solidFill>
+          <a:ln>
+            <a:noFill/>
+          </a:ln>
+        </p:spPr>
+        <p:style>
+          <a:lnRef idx="2">
+            <a:schemeClr val="accent1">
+              <a:shade val="15000"/>
+            </a:schemeClr>
+          </a:lnRef>
+          <a:fillRef idx="1">
+            <a:schemeClr val="accent1"/>
+          </a:fillRef>
+          <a:effectRef idx="0">
+            <a:schemeClr val="accent1"/>
+          </a:effectRef>
+          <a:fontRef idx="minor">
+            <a:schemeClr val="lt1"/>
+          </a:fontRef>
+        </p:style>
+        <p:txBody>
+          <a:bodyPr rtlCol="0" anchor="ctr"/>
+          <a:lstStyle/>
+          <a:p>
+            <a:pPr algn="ctr"/>
+            <a:endParaRPr lang="en-US"/>
+          </a:p>
+        </p:txBody>
+      </p:sp>
+      <p:sp>
+        <p:nvSpPr>
+          <p:cNvPr id="7" name="Rounded Rectangle 6">
+            <a:extLst>
+              <a:ext uri="{FF2B5EF4-FFF2-40B4-BE49-F238E27FC236}">
+                <a16:creationId xmlns:a16="http://schemas.microsoft.com/office/drawing/2014/main" id="{7BFFA155-2502-0139-A521-EE779BA5323A}"/>
+              </a:ext>
+            </a:extLst>
+          </p:cNvPr>
+          <p:cNvSpPr/>
+          <p:nvPr/>
+        </p:nvSpPr>
+        <p:spPr>
+          <a:xfrm>
+            <a:off x="4813739" y="2038608"/>
+            <a:ext cx="2553629" cy="2743199"/>
+          </a:xfrm>
+          <a:prstGeom prst="roundRect">
+            <a:avLst/>
+          </a:prstGeom>
+          <a:solidFill>
+            <a:schemeClr val="bg1"/>
+          </a:solidFill>
+          <a:ln>
+            <a:noFill/>
+          </a:ln>
+        </p:spPr>
+        <p:style>
+          <a:lnRef idx="2">
+            <a:schemeClr val="accent1">
+              <a:shade val="15000"/>
+            </a:schemeClr>
+          </a:lnRef>
+          <a:fillRef idx="1">
+            <a:schemeClr val="accent1"/>
+          </a:fillRef>
+          <a:effectRef idx="0">
+            <a:schemeClr val="accent1"/>
+          </a:effectRef>
+          <a:fontRef idx="minor">
+            <a:schemeClr val="lt1"/>
+          </a:fontRef>
+        </p:style>
+        <p:txBody>
+          <a:bodyPr rtlCol="0" anchor="ctr"/>
+          <a:lstStyle/>
+          <a:p>
+            <a:pPr algn="ctr"/>
+            <a:endParaRPr lang="en-US"/>
+          </a:p>
+        </p:txBody>
+      </p:sp>
+      <p:sp>
+        <p:nvSpPr>
+          <p:cNvPr id="5" name="Graphic 3" descr="Paper with solid fill">
+            <a:extLst>
+              <a:ext uri="{FF2B5EF4-FFF2-40B4-BE49-F238E27FC236}">
+                <a16:creationId xmlns:a16="http://schemas.microsoft.com/office/drawing/2014/main" id="{6689BDFD-1F45-5C4D-4CEC-69C90B72FD2A}"/>
+              </a:ext>
+            </a:extLst>
+          </p:cNvPr>
+          <p:cNvSpPr/>
+          <p:nvPr/>
+        </p:nvSpPr>
+        <p:spPr>
+          <a:xfrm>
+            <a:off x="5265235" y="2408664"/>
+            <a:ext cx="1661530" cy="2040671"/>
+          </a:xfrm>
+          <a:custGeom>
+            <a:avLst/>
+            <a:gdLst>
+              <a:gd name="connsiteX0" fmla="*/ 57150 w 590550"/>
+              <a:gd name="connsiteY0" fmla="*/ 704850 h 762000"/>
+              <a:gd name="connsiteX1" fmla="*/ 57150 w 590550"/>
+              <a:gd name="connsiteY1" fmla="*/ 57150 h 762000"/>
+              <a:gd name="connsiteX2" fmla="*/ 323850 w 590550"/>
+              <a:gd name="connsiteY2" fmla="*/ 57150 h 762000"/>
+              <a:gd name="connsiteX3" fmla="*/ 323850 w 590550"/>
+              <a:gd name="connsiteY3" fmla="*/ 257175 h 762000"/>
+              <a:gd name="connsiteX4" fmla="*/ 533400 w 590550"/>
+              <a:gd name="connsiteY4" fmla="*/ 257175 h 762000"/>
+              <a:gd name="connsiteX5" fmla="*/ 533400 w 590550"/>
+              <a:gd name="connsiteY5" fmla="*/ 704850 h 762000"/>
+              <a:gd name="connsiteX6" fmla="*/ 57150 w 590550"/>
+              <a:gd name="connsiteY6" fmla="*/ 704850 h 762000"/>
+              <a:gd name="connsiteX7" fmla="*/ 381000 w 590550"/>
+              <a:gd name="connsiteY7" fmla="*/ 80963 h 762000"/>
+              <a:gd name="connsiteX8" fmla="*/ 500063 w 590550"/>
+              <a:gd name="connsiteY8" fmla="*/ 200025 h 762000"/>
+              <a:gd name="connsiteX9" fmla="*/ 381000 w 590550"/>
+              <a:gd name="connsiteY9" fmla="*/ 200025 h 762000"/>
+              <a:gd name="connsiteX10" fmla="*/ 381000 w 590550"/>
+              <a:gd name="connsiteY10" fmla="*/ 80963 h 762000"/>
+              <a:gd name="connsiteX11" fmla="*/ 381000 w 590550"/>
+              <a:gd name="connsiteY11" fmla="*/ 0 h 762000"/>
+              <a:gd name="connsiteX12" fmla="*/ 0 w 590550"/>
+              <a:gd name="connsiteY12" fmla="*/ 0 h 762000"/>
+              <a:gd name="connsiteX13" fmla="*/ 0 w 590550"/>
+              <a:gd name="connsiteY13" fmla="*/ 762000 h 762000"/>
+              <a:gd name="connsiteX14" fmla="*/ 590550 w 590550"/>
+              <a:gd name="connsiteY14" fmla="*/ 762000 h 762000"/>
+              <a:gd name="connsiteX15" fmla="*/ 590550 w 590550"/>
+              <a:gd name="connsiteY15" fmla="*/ 209550 h 762000"/>
+              <a:gd name="connsiteX16" fmla="*/ 381000 w 590550"/>
+              <a:gd name="connsiteY16" fmla="*/ 0 h 762000"/>
+            </a:gdLst>
+            <a:ahLst/>
+            <a:cxnLst>
+              <a:cxn ang="0">
+                <a:pos x="connsiteX0" y="connsiteY0"/>
+              </a:cxn>
+              <a:cxn ang="0">
+                <a:pos x="connsiteX1" y="connsiteY1"/>
+              </a:cxn>
+              <a:cxn ang="0">
+                <a:pos x="connsiteX2" y="connsiteY2"/>
+              </a:cxn>
+              <a:cxn ang="0">
+                <a:pos x="connsiteX3" y="connsiteY3"/>
+              </a:cxn>
+              <a:cxn ang="0">
+                <a:pos x="connsiteX4" y="connsiteY4"/>
+              </a:cxn>
+              <a:cxn ang="0">
+                <a:pos x="connsiteX5" y="connsiteY5"/>
+              </a:cxn>
+              <a:cxn ang="0">
+                <a:pos x="connsiteX6" y="connsiteY6"/>
+              </a:cxn>
+              <a:cxn ang="0">
+                <a:pos x="connsiteX7" y="connsiteY7"/>
+              </a:cxn>
+              <a:cxn ang="0">
+                <a:pos x="connsiteX8" y="connsiteY8"/>
+              </a:cxn>
+              <a:cxn ang="0">
+                <a:pos x="connsiteX9" y="connsiteY9"/>
+              </a:cxn>
+              <a:cxn ang="0">
+                <a:pos x="connsiteX10" y="connsiteY10"/>
+              </a:cxn>
+              <a:cxn ang="0">
+                <a:pos x="connsiteX11" y="connsiteY11"/>
+              </a:cxn>
+              <a:cxn ang="0">
+                <a:pos x="connsiteX12" y="connsiteY12"/>
+              </a:cxn>
+              <a:cxn ang="0">
+                <a:pos x="connsiteX13" y="connsiteY13"/>
+              </a:cxn>
+              <a:cxn ang="0">
+                <a:pos x="connsiteX14" y="connsiteY14"/>
+              </a:cxn>
+              <a:cxn ang="0">
+                <a:pos x="connsiteX15" y="connsiteY15"/>
+              </a:cxn>
+              <a:cxn ang="0">
+                <a:pos x="connsiteX16" y="connsiteY16"/>
+              </a:cxn>
+            </a:cxnLst>
+            <a:rect l="l" t="t" r="r" b="b"/>
+            <a:pathLst>
+              <a:path w="590550" h="762000">
+                <a:moveTo>
+                  <a:pt x="57150" y="704850"/>
+                </a:moveTo>
+                <a:lnTo>
+                  <a:pt x="57150" y="57150"/>
+                </a:lnTo>
+                <a:lnTo>
+                  <a:pt x="323850" y="57150"/>
+                </a:lnTo>
+                <a:lnTo>
+                  <a:pt x="323850" y="257175"/>
+                </a:lnTo>
+                <a:lnTo>
+                  <a:pt x="533400" y="257175"/>
+                </a:lnTo>
+                <a:lnTo>
+                  <a:pt x="533400" y="704850"/>
+                </a:lnTo>
+                <a:lnTo>
+                  <a:pt x="57150" y="704850"/>
+                </a:lnTo>
+                <a:close/>
+                <a:moveTo>
+                  <a:pt x="381000" y="80963"/>
+                </a:moveTo>
+                <a:lnTo>
+                  <a:pt x="500063" y="200025"/>
+                </a:lnTo>
+                <a:lnTo>
+                  <a:pt x="381000" y="200025"/>
+                </a:lnTo>
+                <a:lnTo>
+                  <a:pt x="381000" y="80963"/>
+                </a:lnTo>
+                <a:close/>
+                <a:moveTo>
+                  <a:pt x="381000" y="0"/>
+                </a:moveTo>
+                <a:lnTo>
+                  <a:pt x="0" y="0"/>
+                </a:lnTo>
+                <a:lnTo>
+                  <a:pt x="0" y="762000"/>
+                </a:lnTo>
+                <a:lnTo>
+                  <a:pt x="590550" y="762000"/>
+                </a:lnTo>
+                <a:lnTo>
+                  <a:pt x="590550" y="209550"/>
+                </a:lnTo>
+                <a:lnTo>
+                  <a:pt x="381000" y="0"/>
+                </a:lnTo>
+                <a:close/>
+              </a:path>
+            </a:pathLst>
+          </a:custGeom>
+          <a:solidFill>
+            <a:schemeClr val="bg1"/>
+          </a:solidFill>
+          <a:ln w="9525" cap="flat">
+            <a:noFill/>
+            <a:prstDash val="solid"/>
+            <a:miter/>
+          </a:ln>
+        </p:spPr>
+        <p:txBody>
+          <a:bodyPr rtlCol="0" anchor="ctr"/>
+          <a:lstStyle/>
+          <a:p>
+            <a:endParaRPr lang="en-US" dirty="0"/>
+          </a:p>
+        </p:txBody>
+      </p:sp>
+      <p:sp>
+        <p:nvSpPr>
+          <p:cNvPr id="9" name="Rectangle 8">
+            <a:extLst>
+              <a:ext uri="{FF2B5EF4-FFF2-40B4-BE49-F238E27FC236}">
+                <a16:creationId xmlns:a16="http://schemas.microsoft.com/office/drawing/2014/main" id="{D9DCDFE6-9D0A-BAB2-F007-216F7FB0333E}"/>
+              </a:ext>
+            </a:extLst>
+          </p:cNvPr>
+          <p:cNvSpPr/>
+          <p:nvPr/>
+        </p:nvSpPr>
+        <p:spPr>
+          <a:xfrm>
+            <a:off x="4451770" y="2992582"/>
+            <a:ext cx="3288455" cy="914400"/>
+          </a:xfrm>
+          <a:prstGeom prst="rect">
+            <a:avLst/>
+          </a:prstGeom>
+          <a:solidFill>
+            <a:srgbClr val="0096FF"/>
+          </a:solidFill>
+          <a:ln>
+            <a:noFill/>
+          </a:ln>
+        </p:spPr>
+        <p:style>
+          <a:lnRef idx="2">
+            <a:schemeClr val="accent1">
+              <a:shade val="15000"/>
+            </a:schemeClr>
+          </a:lnRef>
+          <a:fillRef idx="1">
+            <a:schemeClr val="accent1"/>
+          </a:fillRef>
+          <a:effectRef idx="0">
+            <a:schemeClr val="accent1"/>
+          </a:effectRef>
+          <a:fontRef idx="minor">
+            <a:schemeClr val="lt1"/>
+          </a:fontRef>
+        </p:style>
+        <p:txBody>
+          <a:bodyPr rtlCol="0" anchor="ctr"/>
+          <a:lstStyle/>
+          <a:p>
+            <a:pPr algn="ctr"/>
+            <a:endParaRPr lang="en-US"/>
+          </a:p>
+        </p:txBody>
+      </p:sp>
+      <p:sp>
+        <p:nvSpPr>
+          <p:cNvPr id="8" name="Rounded Rectangle 7">
+            <a:extLst>
+              <a:ext uri="{FF2B5EF4-FFF2-40B4-BE49-F238E27FC236}">
+                <a16:creationId xmlns:a16="http://schemas.microsoft.com/office/drawing/2014/main" id="{6B176A86-E5C3-C4F5-A8DE-F18BB90952DD}"/>
+              </a:ext>
+            </a:extLst>
+          </p:cNvPr>
+          <p:cNvSpPr/>
+          <p:nvPr/>
+        </p:nvSpPr>
+        <p:spPr>
+          <a:xfrm>
+            <a:off x="5026755" y="2216204"/>
+            <a:ext cx="2156418" cy="2410301"/>
+          </a:xfrm>
+          <a:prstGeom prst="roundRect">
+            <a:avLst/>
+          </a:prstGeom>
+          <a:solidFill>
+            <a:srgbClr val="0096FF"/>
+          </a:solidFill>
+          <a:ln>
+            <a:noFill/>
+          </a:ln>
+        </p:spPr>
+        <p:style>
+          <a:lnRef idx="2">
+            <a:schemeClr val="accent1">
+              <a:shade val="15000"/>
+            </a:schemeClr>
+          </a:lnRef>
+          <a:fillRef idx="1">
+            <a:schemeClr val="accent1"/>
+          </a:fillRef>
+          <a:effectRef idx="0">
+            <a:schemeClr val="accent1"/>
+          </a:effectRef>
+          <a:fontRef idx="minor">
+            <a:schemeClr val="lt1"/>
+          </a:fontRef>
+        </p:style>
+        <p:txBody>
+          <a:bodyPr rtlCol="0" anchor="ctr"/>
+          <a:lstStyle/>
+          <a:p>
+            <a:pPr algn="ctr"/>
+            <a:endParaRPr lang="en-US"/>
+          </a:p>
+        </p:txBody>
+      </p:sp>
+      <p:sp>
+        <p:nvSpPr>
+          <p:cNvPr id="10" name="Rectangle 9">
+            <a:extLst>
+              <a:ext uri="{FF2B5EF4-FFF2-40B4-BE49-F238E27FC236}">
+                <a16:creationId xmlns:a16="http://schemas.microsoft.com/office/drawing/2014/main" id="{AD445B11-07E9-882E-CCAA-3DEB994000D8}"/>
+              </a:ext>
+            </a:extLst>
+          </p:cNvPr>
+          <p:cNvSpPr/>
+          <p:nvPr/>
+        </p:nvSpPr>
+        <p:spPr>
+          <a:xfrm rot="16200000">
+            <a:off x="4451770" y="2969337"/>
+            <a:ext cx="3288455" cy="914400"/>
+          </a:xfrm>
+          <a:prstGeom prst="rect">
+            <a:avLst/>
+          </a:prstGeom>
+          <a:solidFill>
+            <a:srgbClr val="0096FF"/>
+          </a:solidFill>
+          <a:ln>
+            <a:noFill/>
+          </a:ln>
+        </p:spPr>
+        <p:style>
+          <a:lnRef idx="2">
+            <a:schemeClr val="accent1">
+              <a:shade val="15000"/>
+            </a:schemeClr>
+          </a:lnRef>
+          <a:fillRef idx="1">
+            <a:schemeClr val="accent1"/>
+          </a:fillRef>
+          <a:effectRef idx="0">
+            <a:schemeClr val="accent1"/>
+          </a:effectRef>
+          <a:fontRef idx="minor">
+            <a:schemeClr val="lt1"/>
+          </a:fontRef>
+        </p:style>
+        <p:txBody>
+          <a:bodyPr rtlCol="0" anchor="ctr"/>
+          <a:lstStyle/>
+          <a:p>
+            <a:pPr algn="ctr"/>
+            <a:endParaRPr lang="en-US"/>
+          </a:p>
+        </p:txBody>
+      </p:sp>
+      <p:pic>
+        <p:nvPicPr>
+          <p:cNvPr id="12" name="Graphic 11" descr="Paper with solid fill">
+            <a:extLst>
+              <a:ext uri="{FF2B5EF4-FFF2-40B4-BE49-F238E27FC236}">
+                <a16:creationId xmlns:a16="http://schemas.microsoft.com/office/drawing/2014/main" id="{36211E41-7AB1-2C38-6DE6-25F2EC1F2ADC}"/>
+              </a:ext>
+            </a:extLst>
+          </p:cNvPr>
+          <p:cNvPicPr>
+            <a:picLocks noChangeAspect="1"/>
+          </p:cNvPicPr>
+          <p:nvPr/>
+        </p:nvPicPr>
+        <p:blipFill>
+          <a:blip r:embed="rId2">
+            <a:extLst>
+              <a:ext uri="{96DAC541-7B7A-43D3-8B79-37D633B846F1}">
+                <asvg:svgBlip xmlns:asvg="http://schemas.microsoft.com/office/drawing/2016/SVG/main" r:embed="rId3"/>
+              </a:ext>
+            </a:extLst>
+          </a:blip>
+          <a:stretch>
+            <a:fillRect/>
+          </a:stretch>
+        </p:blipFill>
+        <p:spPr>
+          <a:xfrm>
+            <a:off x="5071992" y="2377235"/>
+            <a:ext cx="2065944" cy="2065944"/>
+          </a:xfrm>
+          <a:prstGeom prst="rect">
+            <a:avLst/>
+          </a:prstGeom>
+        </p:spPr>
+      </p:pic>
+    </p:spTree>
+    <p:extLst>
+      <p:ext uri="{BB962C8B-B14F-4D97-AF65-F5344CB8AC3E}">
+        <p14:creationId xmlns:p14="http://schemas.microsoft.com/office/powerpoint/2010/main" val="695687090"/>
+      </p:ext>
+    </p:extLst>
+  </p:cSld>
+  <p:clrMapOvr>
+    <a:masterClrMapping/>
+  </p:clrMapOvr>
+</p:sld>
+</file>
+
+<file path=ppt/slides/slide2.xml><?xml version="1.0" encoding="utf-8"?>
+<p:sld xmlns:a="http://schemas.openxmlformats.org/drawingml/2006/main" xmlns:r="http://schemas.openxmlformats.org/officeDocument/2006/relationships" xmlns:p="http://schemas.openxmlformats.org/presentationml/2006/main">
+  <p:cSld>
+    <p:spTree>
+      <p:nvGrpSpPr>
+        <p:cNvPr id="1" name="">
+          <a:extLst>
+            <a:ext uri="{FF2B5EF4-FFF2-40B4-BE49-F238E27FC236}">
+              <a16:creationId xmlns:a16="http://schemas.microsoft.com/office/drawing/2014/main" id="{8B85F3E8-299A-7381-7A33-69DE22BCBF92}"/>
+            </a:ext>
+          </a:extLst>
+        </p:cNvPr>
+        <p:cNvGrpSpPr/>
+        <p:nvPr/>
+      </p:nvGrpSpPr>
+      <p:grpSpPr>
+        <a:xfrm>
+          <a:off x="0" y="0"/>
+          <a:ext cx="0" cy="0"/>
+          <a:chOff x="0" y="0"/>
+          <a:chExt cx="0" cy="0"/>
+        </a:xfrm>
+      </p:grpSpPr>
+      <p:sp>
+        <p:nvSpPr>
+          <p:cNvPr id="2" name="Rectangle 1">
+            <a:extLst>
+              <a:ext uri="{FF2B5EF4-FFF2-40B4-BE49-F238E27FC236}">
+                <a16:creationId xmlns:a16="http://schemas.microsoft.com/office/drawing/2014/main" id="{02F482B4-CC31-1BF1-3418-3073A377C067}"/>
+              </a:ext>
+            </a:extLst>
+          </p:cNvPr>
+          <p:cNvSpPr/>
+          <p:nvPr/>
+        </p:nvSpPr>
+        <p:spPr>
+          <a:xfrm>
+            <a:off x="4451770" y="1782309"/>
+            <a:ext cx="3288455" cy="3288456"/>
+          </a:xfrm>
+          <a:prstGeom prst="rect">
+            <a:avLst/>
+          </a:prstGeom>
+          <a:solidFill>
+            <a:schemeClr val="tx1">
+              <a:lumMod val="85000"/>
+              <a:lumOff val="15000"/>
+            </a:schemeClr>
+          </a:solidFill>
+          <a:ln>
+            <a:solidFill>
+              <a:schemeClr val="tx1"/>
+            </a:solidFill>
+          </a:ln>
+        </p:spPr>
+        <p:style>
+          <a:lnRef idx="2">
+            <a:schemeClr val="accent1">
+              <a:shade val="15000"/>
+            </a:schemeClr>
+          </a:lnRef>
+          <a:fillRef idx="1">
+            <a:schemeClr val="accent1"/>
+          </a:fillRef>
+          <a:effectRef idx="0">
+            <a:schemeClr val="accent1"/>
+          </a:effectRef>
+          <a:fontRef idx="minor">
+            <a:schemeClr val="lt1"/>
+          </a:fontRef>
+        </p:style>
+        <p:txBody>
+          <a:bodyPr rtlCol="0" anchor="ctr"/>
+          <a:lstStyle/>
+          <a:p>
+            <a:pPr algn="ctr"/>
+            <a:endParaRPr lang="en-US"/>
+          </a:p>
+        </p:txBody>
+      </p:sp>
+      <p:sp>
+        <p:nvSpPr>
+          <p:cNvPr id="7" name="Rounded Rectangle 6">
+            <a:extLst>
+              <a:ext uri="{FF2B5EF4-FFF2-40B4-BE49-F238E27FC236}">
+                <a16:creationId xmlns:a16="http://schemas.microsoft.com/office/drawing/2014/main" id="{FCA20E1E-CF89-5EB9-9844-B95C3F0A7D3D}"/>
+              </a:ext>
+            </a:extLst>
+          </p:cNvPr>
+          <p:cNvSpPr/>
+          <p:nvPr/>
+        </p:nvSpPr>
+        <p:spPr>
+          <a:xfrm>
+            <a:off x="4813739" y="2038608"/>
+            <a:ext cx="2553629" cy="2743199"/>
+          </a:xfrm>
+          <a:prstGeom prst="roundRect">
+            <a:avLst/>
+          </a:prstGeom>
+          <a:solidFill>
+            <a:srgbClr val="0096FF"/>
+          </a:solidFill>
+          <a:ln>
+            <a:noFill/>
+          </a:ln>
+        </p:spPr>
+        <p:style>
+          <a:lnRef idx="2">
+            <a:schemeClr val="accent1">
+              <a:shade val="15000"/>
+            </a:schemeClr>
+          </a:lnRef>
+          <a:fillRef idx="1">
+            <a:schemeClr val="accent1"/>
+          </a:fillRef>
+          <a:effectRef idx="0">
+            <a:schemeClr val="accent1"/>
+          </a:effectRef>
+          <a:fontRef idx="minor">
+            <a:schemeClr val="lt1"/>
+          </a:fontRef>
+        </p:style>
+        <p:txBody>
+          <a:bodyPr rtlCol="0" anchor="ctr"/>
+          <a:lstStyle/>
+          <a:p>
+            <a:pPr algn="ctr"/>
+            <a:endParaRPr lang="en-US"/>
+          </a:p>
+        </p:txBody>
+      </p:sp>
+      <p:sp>
+        <p:nvSpPr>
+          <p:cNvPr id="5" name="Graphic 3" descr="Paper with solid fill">
+            <a:extLst>
+              <a:ext uri="{FF2B5EF4-FFF2-40B4-BE49-F238E27FC236}">
+                <a16:creationId xmlns:a16="http://schemas.microsoft.com/office/drawing/2014/main" id="{2F9F1D1A-6EDD-24E4-5334-C29098D6927A}"/>
+              </a:ext>
+            </a:extLst>
+          </p:cNvPr>
+          <p:cNvSpPr/>
+          <p:nvPr/>
+        </p:nvSpPr>
+        <p:spPr>
+          <a:xfrm>
+            <a:off x="5265235" y="2408664"/>
+            <a:ext cx="1661530" cy="2040671"/>
+          </a:xfrm>
+          <a:custGeom>
+            <a:avLst/>
+            <a:gdLst>
+              <a:gd name="connsiteX0" fmla="*/ 57150 w 590550"/>
+              <a:gd name="connsiteY0" fmla="*/ 704850 h 762000"/>
+              <a:gd name="connsiteX1" fmla="*/ 57150 w 590550"/>
+              <a:gd name="connsiteY1" fmla="*/ 57150 h 762000"/>
+              <a:gd name="connsiteX2" fmla="*/ 323850 w 590550"/>
+              <a:gd name="connsiteY2" fmla="*/ 57150 h 762000"/>
+              <a:gd name="connsiteX3" fmla="*/ 323850 w 590550"/>
+              <a:gd name="connsiteY3" fmla="*/ 257175 h 762000"/>
+              <a:gd name="connsiteX4" fmla="*/ 533400 w 590550"/>
+              <a:gd name="connsiteY4" fmla="*/ 257175 h 762000"/>
+              <a:gd name="connsiteX5" fmla="*/ 533400 w 590550"/>
+              <a:gd name="connsiteY5" fmla="*/ 704850 h 762000"/>
+              <a:gd name="connsiteX6" fmla="*/ 57150 w 590550"/>
+              <a:gd name="connsiteY6" fmla="*/ 704850 h 762000"/>
+              <a:gd name="connsiteX7" fmla="*/ 381000 w 590550"/>
+              <a:gd name="connsiteY7" fmla="*/ 80963 h 762000"/>
+              <a:gd name="connsiteX8" fmla="*/ 500063 w 590550"/>
+              <a:gd name="connsiteY8" fmla="*/ 200025 h 762000"/>
+              <a:gd name="connsiteX9" fmla="*/ 381000 w 590550"/>
+              <a:gd name="connsiteY9" fmla="*/ 200025 h 762000"/>
+              <a:gd name="connsiteX10" fmla="*/ 381000 w 590550"/>
+              <a:gd name="connsiteY10" fmla="*/ 80963 h 762000"/>
+              <a:gd name="connsiteX11" fmla="*/ 381000 w 590550"/>
+              <a:gd name="connsiteY11" fmla="*/ 0 h 762000"/>
+              <a:gd name="connsiteX12" fmla="*/ 0 w 590550"/>
+              <a:gd name="connsiteY12" fmla="*/ 0 h 762000"/>
+              <a:gd name="connsiteX13" fmla="*/ 0 w 590550"/>
+              <a:gd name="connsiteY13" fmla="*/ 762000 h 762000"/>
+              <a:gd name="connsiteX14" fmla="*/ 590550 w 590550"/>
+              <a:gd name="connsiteY14" fmla="*/ 762000 h 762000"/>
+              <a:gd name="connsiteX15" fmla="*/ 590550 w 590550"/>
+              <a:gd name="connsiteY15" fmla="*/ 209550 h 762000"/>
+              <a:gd name="connsiteX16" fmla="*/ 381000 w 590550"/>
+              <a:gd name="connsiteY16" fmla="*/ 0 h 762000"/>
+            </a:gdLst>
+            <a:ahLst/>
+            <a:cxnLst>
+              <a:cxn ang="0">
+                <a:pos x="connsiteX0" y="connsiteY0"/>
+              </a:cxn>
+              <a:cxn ang="0">
+                <a:pos x="connsiteX1" y="connsiteY1"/>
+              </a:cxn>
+              <a:cxn ang="0">
+                <a:pos x="connsiteX2" y="connsiteY2"/>
+              </a:cxn>
+              <a:cxn ang="0">
+                <a:pos x="connsiteX3" y="connsiteY3"/>
+              </a:cxn>
+              <a:cxn ang="0">
+                <a:pos x="connsiteX4" y="connsiteY4"/>
+              </a:cxn>
+              <a:cxn ang="0">
+                <a:pos x="connsiteX5" y="connsiteY5"/>
+              </a:cxn>
+              <a:cxn ang="0">
+                <a:pos x="connsiteX6" y="connsiteY6"/>
+              </a:cxn>
+              <a:cxn ang="0">
+                <a:pos x="connsiteX7" y="connsiteY7"/>
+              </a:cxn>
+              <a:cxn ang="0">
+                <a:pos x="connsiteX8" y="connsiteY8"/>
+              </a:cxn>
+              <a:cxn ang="0">
+                <a:pos x="connsiteX9" y="connsiteY9"/>
+              </a:cxn>
+              <a:cxn ang="0">
+                <a:pos x="connsiteX10" y="connsiteY10"/>
+              </a:cxn>
+              <a:cxn ang="0">
+                <a:pos x="connsiteX11" y="connsiteY11"/>
+              </a:cxn>
+              <a:cxn ang="0">
+                <a:pos x="connsiteX12" y="connsiteY12"/>
+              </a:cxn>
+              <a:cxn ang="0">
+                <a:pos x="connsiteX13" y="connsiteY13"/>
+              </a:cxn>
+              <a:cxn ang="0">
+                <a:pos x="connsiteX14" y="connsiteY14"/>
+              </a:cxn>
+              <a:cxn ang="0">
+                <a:pos x="connsiteX15" y="connsiteY15"/>
+              </a:cxn>
+              <a:cxn ang="0">
+                <a:pos x="connsiteX16" y="connsiteY16"/>
+              </a:cxn>
+            </a:cxnLst>
+            <a:rect l="l" t="t" r="r" b="b"/>
+            <a:pathLst>
+              <a:path w="590550" h="762000">
+                <a:moveTo>
+                  <a:pt x="57150" y="704850"/>
+                </a:moveTo>
+                <a:lnTo>
+                  <a:pt x="57150" y="57150"/>
+                </a:lnTo>
+                <a:lnTo>
+                  <a:pt x="323850" y="57150"/>
+                </a:lnTo>
+                <a:lnTo>
+                  <a:pt x="323850" y="257175"/>
+                </a:lnTo>
+                <a:lnTo>
+                  <a:pt x="533400" y="257175"/>
+                </a:lnTo>
+                <a:lnTo>
+                  <a:pt x="533400" y="704850"/>
+                </a:lnTo>
+                <a:lnTo>
+                  <a:pt x="57150" y="704850"/>
+                </a:lnTo>
+                <a:close/>
+                <a:moveTo>
+                  <a:pt x="381000" y="80963"/>
+                </a:moveTo>
+                <a:lnTo>
+                  <a:pt x="500063" y="200025"/>
+                </a:lnTo>
+                <a:lnTo>
+                  <a:pt x="381000" y="200025"/>
+                </a:lnTo>
+                <a:lnTo>
+                  <a:pt x="381000" y="80963"/>
+                </a:lnTo>
+                <a:close/>
+                <a:moveTo>
+                  <a:pt x="381000" y="0"/>
+                </a:moveTo>
+                <a:lnTo>
+                  <a:pt x="0" y="0"/>
+                </a:lnTo>
+                <a:lnTo>
+                  <a:pt x="0" y="762000"/>
+                </a:lnTo>
+                <a:lnTo>
+                  <a:pt x="590550" y="762000"/>
+                </a:lnTo>
+                <a:lnTo>
+                  <a:pt x="590550" y="209550"/>
+                </a:lnTo>
+                <a:lnTo>
+                  <a:pt x="381000" y="0"/>
+                </a:lnTo>
+                <a:close/>
+              </a:path>
+            </a:pathLst>
+          </a:custGeom>
+          <a:solidFill>
+            <a:schemeClr val="bg1"/>
+          </a:solidFill>
+          <a:ln w="9525" cap="flat">
+            <a:noFill/>
+            <a:prstDash val="solid"/>
+            <a:miter/>
+          </a:ln>
+        </p:spPr>
+        <p:txBody>
+          <a:bodyPr rtlCol="0" anchor="ctr"/>
+          <a:lstStyle/>
+          <a:p>
+            <a:endParaRPr lang="en-US" dirty="0"/>
+          </a:p>
+        </p:txBody>
+      </p:sp>
+      <p:sp>
+        <p:nvSpPr>
+          <p:cNvPr id="9" name="Rectangle 8">
+            <a:extLst>
+              <a:ext uri="{FF2B5EF4-FFF2-40B4-BE49-F238E27FC236}">
+                <a16:creationId xmlns:a16="http://schemas.microsoft.com/office/drawing/2014/main" id="{D8E631E1-AA02-3CFC-6B1B-58850D8D9CCC}"/>
+              </a:ext>
+            </a:extLst>
+          </p:cNvPr>
+          <p:cNvSpPr/>
+          <p:nvPr/>
+        </p:nvSpPr>
+        <p:spPr>
+          <a:xfrm>
+            <a:off x="4451770" y="2992582"/>
+            <a:ext cx="3288455" cy="914400"/>
+          </a:xfrm>
+          <a:prstGeom prst="rect">
+            <a:avLst/>
+          </a:prstGeom>
+          <a:solidFill>
+            <a:schemeClr val="tx1">
+              <a:lumMod val="85000"/>
+              <a:lumOff val="15000"/>
+            </a:schemeClr>
+          </a:solidFill>
+          <a:ln>
+            <a:noFill/>
+          </a:ln>
+        </p:spPr>
+        <p:style>
+          <a:lnRef idx="2">
+            <a:schemeClr val="accent1">
+              <a:shade val="15000"/>
+            </a:schemeClr>
+          </a:lnRef>
+          <a:fillRef idx="1">
+            <a:schemeClr val="accent1"/>
+          </a:fillRef>
+          <a:effectRef idx="0">
+            <a:schemeClr val="accent1"/>
+          </a:effectRef>
+          <a:fontRef idx="minor">
+            <a:schemeClr val="lt1"/>
+          </a:fontRef>
+        </p:style>
+        <p:txBody>
+          <a:bodyPr rtlCol="0" anchor="ctr"/>
+          <a:lstStyle/>
+          <a:p>
+            <a:pPr algn="ctr"/>
+            <a:endParaRPr lang="en-US"/>
+          </a:p>
+        </p:txBody>
+      </p:sp>
+      <p:sp>
+        <p:nvSpPr>
+          <p:cNvPr id="8" name="Rounded Rectangle 7">
+            <a:extLst>
+              <a:ext uri="{FF2B5EF4-FFF2-40B4-BE49-F238E27FC236}">
+                <a16:creationId xmlns:a16="http://schemas.microsoft.com/office/drawing/2014/main" id="{6E8A5CD6-2788-6863-2C97-0995367476C1}"/>
+              </a:ext>
+            </a:extLst>
+          </p:cNvPr>
+          <p:cNvSpPr/>
+          <p:nvPr/>
+        </p:nvSpPr>
+        <p:spPr>
+          <a:xfrm>
+            <a:off x="5026755" y="2216204"/>
+            <a:ext cx="2156418" cy="2410301"/>
+          </a:xfrm>
+          <a:prstGeom prst="roundRect">
+            <a:avLst/>
+          </a:prstGeom>
+          <a:solidFill>
+            <a:schemeClr val="tx1">
+              <a:lumMod val="85000"/>
+              <a:lumOff val="15000"/>
+            </a:schemeClr>
+          </a:solidFill>
+          <a:ln>
+            <a:noFill/>
+          </a:ln>
+        </p:spPr>
+        <p:style>
+          <a:lnRef idx="2">
+            <a:schemeClr val="accent1">
+              <a:shade val="15000"/>
+            </a:schemeClr>
+          </a:lnRef>
+          <a:fillRef idx="1">
+            <a:schemeClr val="accent1"/>
+          </a:fillRef>
+          <a:effectRef idx="0">
+            <a:schemeClr val="accent1"/>
+          </a:effectRef>
+          <a:fontRef idx="minor">
+            <a:schemeClr val="lt1"/>
+          </a:fontRef>
+        </p:style>
+        <p:txBody>
+          <a:bodyPr rtlCol="0" anchor="ctr"/>
+          <a:lstStyle/>
+          <a:p>
+            <a:pPr algn="ctr"/>
+            <a:endParaRPr lang="en-US"/>
+          </a:p>
+        </p:txBody>
+      </p:sp>
+      <p:sp>
+        <p:nvSpPr>
+          <p:cNvPr id="10" name="Rectangle 9">
+            <a:extLst>
+              <a:ext uri="{FF2B5EF4-FFF2-40B4-BE49-F238E27FC236}">
+                <a16:creationId xmlns:a16="http://schemas.microsoft.com/office/drawing/2014/main" id="{E8CA3FF6-CE34-39E0-7614-F6D5EDA3F589}"/>
+              </a:ext>
+            </a:extLst>
+          </p:cNvPr>
+          <p:cNvSpPr/>
+          <p:nvPr/>
+        </p:nvSpPr>
+        <p:spPr>
+          <a:xfrm rot="16200000">
+            <a:off x="4451770" y="2969337"/>
+            <a:ext cx="3288455" cy="914400"/>
+          </a:xfrm>
+          <a:prstGeom prst="rect">
+            <a:avLst/>
+          </a:prstGeom>
+          <a:solidFill>
+            <a:srgbClr val="262626"/>
+          </a:solidFill>
+          <a:ln>
+            <a:noFill/>
+          </a:ln>
+        </p:spPr>
+        <p:style>
+          <a:lnRef idx="2">
+            <a:schemeClr val="accent1">
+              <a:shade val="15000"/>
+            </a:schemeClr>
+          </a:lnRef>
+          <a:fillRef idx="1">
+            <a:schemeClr val="accent1"/>
+          </a:fillRef>
+          <a:effectRef idx="0">
+            <a:schemeClr val="accent1"/>
+          </a:effectRef>
+          <a:fontRef idx="minor">
+            <a:schemeClr val="lt1"/>
+          </a:fontRef>
+        </p:style>
+        <p:txBody>
+          <a:bodyPr rtlCol="0" anchor="ctr"/>
+          <a:lstStyle/>
+          <a:p>
+            <a:pPr algn="ctr"/>
+            <a:endParaRPr lang="en-US"/>
+          </a:p>
+        </p:txBody>
+      </p:sp>
+      <p:pic>
+        <p:nvPicPr>
+          <p:cNvPr id="12" name="Graphic 11" descr="Paper with solid fill">
+            <a:extLst>
+              <a:ext uri="{FF2B5EF4-FFF2-40B4-BE49-F238E27FC236}">
+                <a16:creationId xmlns:a16="http://schemas.microsoft.com/office/drawing/2014/main" id="{86C575FF-375B-4278-733C-D7F063A4D0F7}"/>
+              </a:ext>
+            </a:extLst>
+          </p:cNvPr>
+          <p:cNvPicPr>
+            <a:picLocks noChangeAspect="1"/>
+          </p:cNvPicPr>
+          <p:nvPr/>
+        </p:nvPicPr>
+        <p:blipFill>
+          <a:blip r:embed="rId2">
+            <a:extLst>
+              <a:ext uri="{96DAC541-7B7A-43D3-8B79-37D633B846F1}">
+                <asvg:svgBlip xmlns:asvg="http://schemas.microsoft.com/office/drawing/2016/SVG/main" r:embed="rId3"/>
+              </a:ext>
+            </a:extLst>
+          </a:blip>
+          <a:stretch>
+            <a:fillRect/>
+          </a:stretch>
+        </p:blipFill>
+        <p:spPr>
+          <a:xfrm>
+            <a:off x="5071992" y="2377235"/>
+            <a:ext cx="2065944" cy="2065944"/>
+          </a:xfrm>
+          <a:prstGeom prst="rect">
+            <a:avLst/>
+          </a:prstGeom>
+        </p:spPr>
+      </p:pic>
+    </p:spTree>
+    <p:extLst>
+      <p:ext uri="{BB962C8B-B14F-4D97-AF65-F5344CB8AC3E}">
+        <p14:creationId xmlns:p14="http://schemas.microsoft.com/office/powerpoint/2010/main" val="1216566668"/>
+      </p:ext>
+    </p:extLst>
+  </p:cSld>
+  <p:clrMapOvr>
+    <a:masterClrMapping/>
+  </p:clrMapOvr>
+</p:sld>
+</file>
+
+<file path=ppt/slides/slide3.xml><?xml version="1.0" encoding="utf-8"?>
+<p:sld xmlns:a="http://schemas.openxmlformats.org/drawingml/2006/main" xmlns:r="http://schemas.openxmlformats.org/officeDocument/2006/relationships" xmlns:p="http://schemas.openxmlformats.org/presentationml/2006/main">
+  <p:cSld>
+    <p:spTree>
+      <p:nvGrpSpPr>
+        <p:cNvPr id="1" name="">
+          <a:extLst>
+            <a:ext uri="{FF2B5EF4-FFF2-40B4-BE49-F238E27FC236}">
+              <a16:creationId xmlns:a16="http://schemas.microsoft.com/office/drawing/2014/main" id="{9F7DD7DC-6641-48A9-FFB6-5AE0F2FEF6FD}"/>
+            </a:ext>
+          </a:extLst>
+        </p:cNvPr>
+        <p:cNvGrpSpPr/>
+        <p:nvPr/>
+      </p:nvGrpSpPr>
+      <p:grpSpPr>
+        <a:xfrm>
+          <a:off x="0" y="0"/>
+          <a:ext cx="0" cy="0"/>
+          <a:chOff x="0" y="0"/>
+          <a:chExt cx="0" cy="0"/>
+        </a:xfrm>
+      </p:grpSpPr>
+      <p:sp>
+        <p:nvSpPr>
+          <p:cNvPr id="2" name="Rectangle 1">
+            <a:extLst>
+              <a:ext uri="{FF2B5EF4-FFF2-40B4-BE49-F238E27FC236}">
+                <a16:creationId xmlns:a16="http://schemas.microsoft.com/office/drawing/2014/main" id="{36332369-68C8-F44A-C899-E0843ED425D7}"/>
+              </a:ext>
+            </a:extLst>
+          </p:cNvPr>
+          <p:cNvSpPr/>
+          <p:nvPr/>
+        </p:nvSpPr>
+        <p:spPr>
+          <a:xfrm>
+            <a:off x="4451770" y="1782309"/>
+            <a:ext cx="3288455" cy="3288456"/>
+          </a:xfrm>
+          <a:prstGeom prst="rect">
+            <a:avLst/>
+          </a:prstGeom>
+          <a:solidFill>
+            <a:schemeClr val="bg2">
+              <a:lumMod val="10000"/>
+            </a:schemeClr>
+          </a:solidFill>
+          <a:ln>
+            <a:solidFill>
+              <a:schemeClr val="tx1"/>
+            </a:solidFill>
+          </a:ln>
+        </p:spPr>
+        <p:style>
+          <a:lnRef idx="2">
+            <a:schemeClr val="accent1">
+              <a:shade val="15000"/>
+            </a:schemeClr>
+          </a:lnRef>
+          <a:fillRef idx="1">
+            <a:schemeClr val="accent1"/>
+          </a:fillRef>
+          <a:effectRef idx="0">
+            <a:schemeClr val="accent1"/>
+          </a:effectRef>
+          <a:fontRef idx="minor">
+            <a:schemeClr val="lt1"/>
+          </a:fontRef>
+        </p:style>
+        <p:txBody>
+          <a:bodyPr rtlCol="0" anchor="ctr"/>
+          <a:lstStyle/>
+          <a:p>
+            <a:pPr algn="ctr"/>
+            <a:endParaRPr lang="en-US"/>
+          </a:p>
+        </p:txBody>
+      </p:sp>
+      <p:sp>
+        <p:nvSpPr>
+          <p:cNvPr id="7" name="Rounded Rectangle 6">
+            <a:extLst>
+              <a:ext uri="{FF2B5EF4-FFF2-40B4-BE49-F238E27FC236}">
+                <a16:creationId xmlns:a16="http://schemas.microsoft.com/office/drawing/2014/main" id="{C184AC6C-6AB5-0C91-A69A-B7B6523A6EBC}"/>
+              </a:ext>
+            </a:extLst>
+          </p:cNvPr>
+          <p:cNvSpPr/>
+          <p:nvPr/>
+        </p:nvSpPr>
+        <p:spPr>
+          <a:xfrm>
+            <a:off x="4813739" y="2038608"/>
+            <a:ext cx="2553629" cy="2743199"/>
+          </a:xfrm>
+          <a:prstGeom prst="roundRect">
+            <a:avLst/>
+          </a:prstGeom>
+          <a:solidFill>
+            <a:schemeClr val="bg2">
+              <a:lumMod val="90000"/>
+            </a:schemeClr>
+          </a:solidFill>
+          <a:ln>
+            <a:noFill/>
+          </a:ln>
+        </p:spPr>
+        <p:style>
+          <a:lnRef idx="2">
+            <a:schemeClr val="accent1">
+              <a:shade val="15000"/>
+            </a:schemeClr>
+          </a:lnRef>
+          <a:fillRef idx="1">
+            <a:schemeClr val="accent1"/>
+          </a:fillRef>
+          <a:effectRef idx="0">
+            <a:schemeClr val="accent1"/>
+          </a:effectRef>
+          <a:fontRef idx="minor">
+            <a:schemeClr val="lt1"/>
+          </a:fontRef>
+        </p:style>
+        <p:txBody>
+          <a:bodyPr rtlCol="0" anchor="ctr"/>
+          <a:lstStyle/>
+          <a:p>
+            <a:pPr algn="ctr"/>
+            <a:endParaRPr lang="en-US"/>
+          </a:p>
+        </p:txBody>
+      </p:sp>
+      <p:sp>
+        <p:nvSpPr>
+          <p:cNvPr id="5" name="Graphic 3" descr="Paper with solid fill">
+            <a:extLst>
+              <a:ext uri="{FF2B5EF4-FFF2-40B4-BE49-F238E27FC236}">
+                <a16:creationId xmlns:a16="http://schemas.microsoft.com/office/drawing/2014/main" id="{B28D8875-D195-9DD0-063D-D71A483D1CDA}"/>
+              </a:ext>
+            </a:extLst>
+          </p:cNvPr>
+          <p:cNvSpPr/>
+          <p:nvPr/>
+        </p:nvSpPr>
+        <p:spPr>
+          <a:xfrm>
+            <a:off x="5265235" y="2408664"/>
+            <a:ext cx="1661530" cy="2040671"/>
+          </a:xfrm>
+          <a:custGeom>
+            <a:avLst/>
+            <a:gdLst>
+              <a:gd name="connsiteX0" fmla="*/ 57150 w 590550"/>
+              <a:gd name="connsiteY0" fmla="*/ 704850 h 762000"/>
+              <a:gd name="connsiteX1" fmla="*/ 57150 w 590550"/>
+              <a:gd name="connsiteY1" fmla="*/ 57150 h 762000"/>
+              <a:gd name="connsiteX2" fmla="*/ 323850 w 590550"/>
+              <a:gd name="connsiteY2" fmla="*/ 57150 h 762000"/>
+              <a:gd name="connsiteX3" fmla="*/ 323850 w 590550"/>
+              <a:gd name="connsiteY3" fmla="*/ 257175 h 762000"/>
+              <a:gd name="connsiteX4" fmla="*/ 533400 w 590550"/>
+              <a:gd name="connsiteY4" fmla="*/ 257175 h 762000"/>
+              <a:gd name="connsiteX5" fmla="*/ 533400 w 590550"/>
+              <a:gd name="connsiteY5" fmla="*/ 704850 h 762000"/>
+              <a:gd name="connsiteX6" fmla="*/ 57150 w 590550"/>
+              <a:gd name="connsiteY6" fmla="*/ 704850 h 762000"/>
+              <a:gd name="connsiteX7" fmla="*/ 381000 w 590550"/>
+              <a:gd name="connsiteY7" fmla="*/ 80963 h 762000"/>
+              <a:gd name="connsiteX8" fmla="*/ 500063 w 590550"/>
+              <a:gd name="connsiteY8" fmla="*/ 200025 h 762000"/>
+              <a:gd name="connsiteX9" fmla="*/ 381000 w 590550"/>
+              <a:gd name="connsiteY9" fmla="*/ 200025 h 762000"/>
+              <a:gd name="connsiteX10" fmla="*/ 381000 w 590550"/>
+              <a:gd name="connsiteY10" fmla="*/ 80963 h 762000"/>
+              <a:gd name="connsiteX11" fmla="*/ 381000 w 590550"/>
+              <a:gd name="connsiteY11" fmla="*/ 0 h 762000"/>
+              <a:gd name="connsiteX12" fmla="*/ 0 w 590550"/>
+              <a:gd name="connsiteY12" fmla="*/ 0 h 762000"/>
+              <a:gd name="connsiteX13" fmla="*/ 0 w 590550"/>
+              <a:gd name="connsiteY13" fmla="*/ 762000 h 762000"/>
+              <a:gd name="connsiteX14" fmla="*/ 590550 w 590550"/>
+              <a:gd name="connsiteY14" fmla="*/ 762000 h 762000"/>
+              <a:gd name="connsiteX15" fmla="*/ 590550 w 590550"/>
+              <a:gd name="connsiteY15" fmla="*/ 209550 h 762000"/>
+              <a:gd name="connsiteX16" fmla="*/ 381000 w 590550"/>
+              <a:gd name="connsiteY16" fmla="*/ 0 h 762000"/>
+            </a:gdLst>
+            <a:ahLst/>
+            <a:cxnLst>
+              <a:cxn ang="0">
+                <a:pos x="connsiteX0" y="connsiteY0"/>
+              </a:cxn>
+              <a:cxn ang="0">
+                <a:pos x="connsiteX1" y="connsiteY1"/>
+              </a:cxn>
+              <a:cxn ang="0">
+                <a:pos x="connsiteX2" y="connsiteY2"/>
+              </a:cxn>
+              <a:cxn ang="0">
+                <a:pos x="connsiteX3" y="connsiteY3"/>
+              </a:cxn>
+              <a:cxn ang="0">
+                <a:pos x="connsiteX4" y="connsiteY4"/>
+              </a:cxn>
+              <a:cxn ang="0">
+                <a:pos x="connsiteX5" y="connsiteY5"/>
+              </a:cxn>
+              <a:cxn ang="0">
+                <a:pos x="connsiteX6" y="connsiteY6"/>
+              </a:cxn>
+              <a:cxn ang="0">
+                <a:pos x="connsiteX7" y="connsiteY7"/>
+              </a:cxn>
+              <a:cxn ang="0">
+                <a:pos x="connsiteX8" y="connsiteY8"/>
+              </a:cxn>
+              <a:cxn ang="0">
+                <a:pos x="connsiteX9" y="connsiteY9"/>
+              </a:cxn>
+              <a:cxn ang="0">
+                <a:pos x="connsiteX10" y="connsiteY10"/>
+              </a:cxn>
+              <a:cxn ang="0">
+                <a:pos x="connsiteX11" y="connsiteY11"/>
+              </a:cxn>
+              <a:cxn ang="0">
+                <a:pos x="connsiteX12" y="connsiteY12"/>
+              </a:cxn>
+              <a:cxn ang="0">
+                <a:pos x="connsiteX13" y="connsiteY13"/>
+              </a:cxn>
+              <a:cxn ang="0">
+                <a:pos x="connsiteX14" y="connsiteY14"/>
+              </a:cxn>
+              <a:cxn ang="0">
+                <a:pos x="connsiteX15" y="connsiteY15"/>
+              </a:cxn>
+              <a:cxn ang="0">
+                <a:pos x="connsiteX16" y="connsiteY16"/>
+              </a:cxn>
+            </a:cxnLst>
+            <a:rect l="l" t="t" r="r" b="b"/>
+            <a:pathLst>
+              <a:path w="590550" h="762000">
+                <a:moveTo>
+                  <a:pt x="57150" y="704850"/>
+                </a:moveTo>
+                <a:lnTo>
+                  <a:pt x="57150" y="57150"/>
+                </a:lnTo>
+                <a:lnTo>
+                  <a:pt x="323850" y="57150"/>
+                </a:lnTo>
+                <a:lnTo>
+                  <a:pt x="323850" y="257175"/>
+                </a:lnTo>
+                <a:lnTo>
+                  <a:pt x="533400" y="257175"/>
+                </a:lnTo>
+                <a:lnTo>
+                  <a:pt x="533400" y="704850"/>
+                </a:lnTo>
+                <a:lnTo>
+                  <a:pt x="57150" y="704850"/>
+                </a:lnTo>
+                <a:close/>
+                <a:moveTo>
+                  <a:pt x="381000" y="80963"/>
+                </a:moveTo>
+                <a:lnTo>
+                  <a:pt x="500063" y="200025"/>
+                </a:lnTo>
+                <a:lnTo>
+                  <a:pt x="381000" y="200025"/>
+                </a:lnTo>
+                <a:lnTo>
+                  <a:pt x="381000" y="80963"/>
+                </a:lnTo>
+                <a:close/>
+                <a:moveTo>
+                  <a:pt x="381000" y="0"/>
+                </a:moveTo>
+                <a:lnTo>
+                  <a:pt x="0" y="0"/>
+                </a:lnTo>
+                <a:lnTo>
+                  <a:pt x="0" y="762000"/>
+                </a:lnTo>
+                <a:lnTo>
+                  <a:pt x="590550" y="762000"/>
+                </a:lnTo>
+                <a:lnTo>
+                  <a:pt x="590550" y="209550"/>
+                </a:lnTo>
+                <a:lnTo>
+                  <a:pt x="381000" y="0"/>
+                </a:lnTo>
+                <a:close/>
+              </a:path>
+            </a:pathLst>
+          </a:custGeom>
+          <a:solidFill>
+            <a:schemeClr val="bg1"/>
+          </a:solidFill>
+          <a:ln w="9525" cap="flat">
+            <a:noFill/>
+            <a:prstDash val="solid"/>
+            <a:miter/>
+          </a:ln>
+        </p:spPr>
+        <p:txBody>
+          <a:bodyPr rtlCol="0" anchor="ctr"/>
+          <a:lstStyle/>
+          <a:p>
+            <a:endParaRPr lang="en-US" dirty="0"/>
+          </a:p>
+        </p:txBody>
+      </p:sp>
+      <p:sp>
+        <p:nvSpPr>
+          <p:cNvPr id="9" name="Rectangle 8">
+            <a:extLst>
+              <a:ext uri="{FF2B5EF4-FFF2-40B4-BE49-F238E27FC236}">
+                <a16:creationId xmlns:a16="http://schemas.microsoft.com/office/drawing/2014/main" id="{FCE64D4C-2F3E-75E2-8C6C-E80454B972A7}"/>
+              </a:ext>
+            </a:extLst>
+          </p:cNvPr>
+          <p:cNvSpPr/>
+          <p:nvPr/>
+        </p:nvSpPr>
+        <p:spPr>
+          <a:xfrm>
+            <a:off x="4451770" y="2992582"/>
+            <a:ext cx="3288455" cy="914400"/>
+          </a:xfrm>
+          <a:prstGeom prst="rect">
+            <a:avLst/>
+          </a:prstGeom>
+          <a:solidFill>
+            <a:schemeClr val="bg2">
+              <a:lumMod val="10000"/>
+            </a:schemeClr>
+          </a:solidFill>
+          <a:ln>
+            <a:noFill/>
+          </a:ln>
+        </p:spPr>
+        <p:style>
+          <a:lnRef idx="2">
+            <a:schemeClr val="accent1">
+              <a:shade val="15000"/>
+            </a:schemeClr>
+          </a:lnRef>
+          <a:fillRef idx="1">
+            <a:schemeClr val="accent1"/>
+          </a:fillRef>
+          <a:effectRef idx="0">
+            <a:schemeClr val="accent1"/>
+          </a:effectRef>
+          <a:fontRef idx="minor">
+            <a:schemeClr val="lt1"/>
+          </a:fontRef>
+        </p:style>
+        <p:txBody>
+          <a:bodyPr rtlCol="0" anchor="ctr"/>
+          <a:lstStyle/>
+          <a:p>
+            <a:pPr algn="ctr"/>
+            <a:endParaRPr lang="en-US"/>
+          </a:p>
+        </p:txBody>
+      </p:sp>
+      <p:sp>
+        <p:nvSpPr>
+          <p:cNvPr id="8" name="Rounded Rectangle 7">
+            <a:extLst>
+              <a:ext uri="{FF2B5EF4-FFF2-40B4-BE49-F238E27FC236}">
+                <a16:creationId xmlns:a16="http://schemas.microsoft.com/office/drawing/2014/main" id="{B02AF396-9D1C-D912-1F13-6CE2416C00FD}"/>
+              </a:ext>
+            </a:extLst>
+          </p:cNvPr>
+          <p:cNvSpPr/>
+          <p:nvPr/>
+        </p:nvSpPr>
+        <p:spPr>
+          <a:xfrm>
+            <a:off x="5026755" y="2216204"/>
+            <a:ext cx="2156418" cy="2410301"/>
+          </a:xfrm>
+          <a:prstGeom prst="roundRect">
+            <a:avLst/>
+          </a:prstGeom>
+          <a:solidFill>
+            <a:schemeClr val="bg2">
+              <a:lumMod val="10000"/>
+            </a:schemeClr>
+          </a:solidFill>
+          <a:ln>
+            <a:noFill/>
+          </a:ln>
+        </p:spPr>
+        <p:style>
+          <a:lnRef idx="2">
+            <a:schemeClr val="accent1">
+              <a:shade val="15000"/>
+            </a:schemeClr>
+          </a:lnRef>
+          <a:fillRef idx="1">
+            <a:schemeClr val="accent1"/>
+          </a:fillRef>
+          <a:effectRef idx="0">
+            <a:schemeClr val="accent1"/>
+          </a:effectRef>
+          <a:fontRef idx="minor">
+            <a:schemeClr val="lt1"/>
+          </a:fontRef>
+        </p:style>
+        <p:txBody>
+          <a:bodyPr rtlCol="0" anchor="ctr"/>
+          <a:lstStyle/>
+          <a:p>
+            <a:pPr algn="ctr"/>
+            <a:endParaRPr lang="en-US"/>
+          </a:p>
+        </p:txBody>
+      </p:sp>
+      <p:sp>
+        <p:nvSpPr>
+          <p:cNvPr id="10" name="Rectangle 9">
+            <a:extLst>
+              <a:ext uri="{FF2B5EF4-FFF2-40B4-BE49-F238E27FC236}">
+                <a16:creationId xmlns:a16="http://schemas.microsoft.com/office/drawing/2014/main" id="{B7C61494-083F-F94E-E59A-37EDC6ECD060}"/>
+              </a:ext>
+            </a:extLst>
+          </p:cNvPr>
+          <p:cNvSpPr/>
+          <p:nvPr/>
+        </p:nvSpPr>
+        <p:spPr>
+          <a:xfrm rot="16200000">
+            <a:off x="4451770" y="2969337"/>
+            <a:ext cx="3288455" cy="914400"/>
+          </a:xfrm>
+          <a:prstGeom prst="rect">
+            <a:avLst/>
+          </a:prstGeom>
+          <a:solidFill>
+            <a:schemeClr val="bg2">
+              <a:lumMod val="10000"/>
+            </a:schemeClr>
+          </a:solidFill>
+          <a:ln>
+            <a:noFill/>
+          </a:ln>
+        </p:spPr>
+        <p:style>
+          <a:lnRef idx="2">
+            <a:schemeClr val="accent1">
+              <a:shade val="15000"/>
+            </a:schemeClr>
+          </a:lnRef>
+          <a:fillRef idx="1">
+            <a:schemeClr val="accent1"/>
+          </a:fillRef>
+          <a:effectRef idx="0">
+            <a:schemeClr val="accent1"/>
+          </a:effectRef>
+          <a:fontRef idx="minor">
+            <a:schemeClr val="lt1"/>
+          </a:fontRef>
+        </p:style>
+        <p:txBody>
+          <a:bodyPr rtlCol="0" anchor="ctr"/>
+          <a:lstStyle/>
+          <a:p>
+            <a:pPr algn="ctr"/>
+            <a:endParaRPr lang="en-US"/>
+          </a:p>
+        </p:txBody>
+      </p:sp>
+      <p:pic>
+        <p:nvPicPr>
+          <p:cNvPr id="12" name="Graphic 11" descr="Paper with solid fill">
+            <a:extLst>
+              <a:ext uri="{FF2B5EF4-FFF2-40B4-BE49-F238E27FC236}">
+                <a16:creationId xmlns:a16="http://schemas.microsoft.com/office/drawing/2014/main" id="{526D08E1-6A5E-1248-EA59-631DF59B95E2}"/>
+              </a:ext>
+            </a:extLst>
+          </p:cNvPr>
+          <p:cNvPicPr>
+            <a:picLocks noChangeAspect="1"/>
+          </p:cNvPicPr>
+          <p:nvPr/>
+        </p:nvPicPr>
+        <p:blipFill>
+          <a:blip r:embed="rId2">
+            <a:extLst>
+              <a:ext uri="{96DAC541-7B7A-43D3-8B79-37D633B846F1}">
+                <asvg:svgBlip xmlns:asvg="http://schemas.microsoft.com/office/drawing/2016/SVG/main" r:embed="rId3"/>
+              </a:ext>
+            </a:extLst>
+          </a:blip>
+          <a:stretch>
+            <a:fillRect/>
+          </a:stretch>
+        </p:blipFill>
+        <p:spPr>
+          <a:xfrm>
+            <a:off x="5071992" y="2377235"/>
+            <a:ext cx="2065944" cy="2065944"/>
+          </a:xfrm>
+          <a:prstGeom prst="rect">
+            <a:avLst/>
+          </a:prstGeom>
+        </p:spPr>
+      </p:pic>
+    </p:spTree>
+    <p:extLst>
+      <p:ext uri="{BB962C8B-B14F-4D97-AF65-F5344CB8AC3E}">
+        <p14:creationId xmlns:p14="http://schemas.microsoft.com/office/powerpoint/2010/main" val="2625044027"/>
+      </p:ext>
+    </p:extLst>
+  </p:cSld>
+  <p:clrMapOvr>
+    <a:masterClrMapping/>
+  </p:clrMapOvr>
+</p:sld>
+</file>
+
+<file path=ppt/slides/slide4.xml><?xml version="1.0" encoding="utf-8"?>
+<p:sld xmlns:a="http://schemas.openxmlformats.org/drawingml/2006/main" xmlns:r="http://schemas.openxmlformats.org/officeDocument/2006/relationships" xmlns:p="http://schemas.openxmlformats.org/presentationml/2006/main">
+  <p:cSld>
+    <p:spTree>
+      <p:nvGrpSpPr>
+        <p:cNvPr id="1" name="">
+          <a:extLst>
+            <a:ext uri="{FF2B5EF4-FFF2-40B4-BE49-F238E27FC236}">
+              <a16:creationId xmlns:a16="http://schemas.microsoft.com/office/drawing/2014/main" id="{A74BEC24-7DC0-B410-BAC1-B76483608357}"/>
+            </a:ext>
+          </a:extLst>
+        </p:cNvPr>
+        <p:cNvGrpSpPr/>
+        <p:nvPr/>
+      </p:nvGrpSpPr>
+      <p:grpSpPr>
+        <a:xfrm>
+          <a:off x="0" y="0"/>
+          <a:ext cx="0" cy="0"/>
+          <a:chOff x="0" y="0"/>
+          <a:chExt cx="0" cy="0"/>
+        </a:xfrm>
+      </p:grpSpPr>
+      <p:sp>
+        <p:nvSpPr>
+          <p:cNvPr id="2" name="Rectangle 1">
+            <a:extLst>
+              <a:ext uri="{FF2B5EF4-FFF2-40B4-BE49-F238E27FC236}">
+                <a16:creationId xmlns:a16="http://schemas.microsoft.com/office/drawing/2014/main" id="{4E5EA54C-85B0-BB10-DF46-85EE2A23B085}"/>
+              </a:ext>
+            </a:extLst>
+          </p:cNvPr>
+          <p:cNvSpPr/>
+          <p:nvPr/>
+        </p:nvSpPr>
+        <p:spPr>
+          <a:xfrm>
             <a:off x="4477407" y="1818289"/>
             <a:ext cx="3288455" cy="3370655"/>
           </a:xfrm>
@@ -3469,7 +5049,7 @@
           <p:cNvPr id="33" name="Group 32">
             <a:extLst>
               <a:ext uri="{FF2B5EF4-FFF2-40B4-BE49-F238E27FC236}">
-                <a16:creationId xmlns:a16="http://schemas.microsoft.com/office/drawing/2014/main" id="{81F3DFF8-08D3-86A2-CAD6-4EC589CA484B}"/>
+                <a16:creationId xmlns:a16="http://schemas.microsoft.com/office/drawing/2014/main" id="{77B1673A-4823-E911-A347-CD230160FE72}"/>
               </a:ext>
             </a:extLst>
           </p:cNvPr>
@@ -3489,7 +5069,7 @@
             <p:cNvPr id="29" name="Rounded Rectangle 28">
               <a:extLst>
                 <a:ext uri="{FF2B5EF4-FFF2-40B4-BE49-F238E27FC236}">
-                  <a16:creationId xmlns:a16="http://schemas.microsoft.com/office/drawing/2014/main" id="{604A12A0-F0F5-646F-039C-03238580FB13}"/>
+                  <a16:creationId xmlns:a16="http://schemas.microsoft.com/office/drawing/2014/main" id="{C586DF63-0E1B-5FE4-5F8C-8363B140A554}"/>
                 </a:ext>
               </a:extLst>
             </p:cNvPr>
@@ -3544,7 +5124,7 @@
             <p:cNvPr id="31" name="Rounded Rectangle 30">
               <a:extLst>
                 <a:ext uri="{FF2B5EF4-FFF2-40B4-BE49-F238E27FC236}">
-                  <a16:creationId xmlns:a16="http://schemas.microsoft.com/office/drawing/2014/main" id="{9BB2DEC1-3BFB-6289-A600-37E80835C567}"/>
+                  <a16:creationId xmlns:a16="http://schemas.microsoft.com/office/drawing/2014/main" id="{20DFF7DD-DCB1-5F89-BF5E-DC78C5B0D91F}"/>
                 </a:ext>
               </a:extLst>
             </p:cNvPr>
@@ -3596,7 +5176,7 @@
             <p:cNvPr id="27" name="Rounded Rectangle 26">
               <a:extLst>
                 <a:ext uri="{FF2B5EF4-FFF2-40B4-BE49-F238E27FC236}">
-                  <a16:creationId xmlns:a16="http://schemas.microsoft.com/office/drawing/2014/main" id="{B2E5792E-B73F-0689-4537-4E33C312E47E}"/>
+                  <a16:creationId xmlns:a16="http://schemas.microsoft.com/office/drawing/2014/main" id="{6342E466-A021-95E2-0DB5-4B0B66F8F2CC}"/>
                 </a:ext>
               </a:extLst>
             </p:cNvPr>
@@ -3651,7 +5231,7 @@
             <p:cNvPr id="21" name="Rectangle 20">
               <a:extLst>
                 <a:ext uri="{FF2B5EF4-FFF2-40B4-BE49-F238E27FC236}">
-                  <a16:creationId xmlns:a16="http://schemas.microsoft.com/office/drawing/2014/main" id="{536A3CE0-B68B-4DF5-112F-5ED31F8DDF39}"/>
+                  <a16:creationId xmlns:a16="http://schemas.microsoft.com/office/drawing/2014/main" id="{7BDCFF2B-2D7F-DC17-0A64-48F9E7C0625F}"/>
                 </a:ext>
               </a:extLst>
             </p:cNvPr>
@@ -3732,7 +5312,7 @@
                 <p14:cNvPr id="20" name="Ink 19">
                   <a:extLst>
                     <a:ext uri="{FF2B5EF4-FFF2-40B4-BE49-F238E27FC236}">
-                      <a16:creationId xmlns:a16="http://schemas.microsoft.com/office/drawing/2014/main" id="{9C20C6AC-E6C2-E42F-51FB-DB54BA06C0CB}"/>
+                      <a16:creationId xmlns:a16="http://schemas.microsoft.com/office/drawing/2014/main" id="{8C5C8383-2CAD-D2C5-2EAA-E5BFD62C423F}"/>
                     </a:ext>
                   </a:extLst>
                 </p14:cNvPr>
@@ -3781,7 +5361,7 @@
             <p:cNvPr id="23" name="Rounded Rectangle 22">
               <a:extLst>
                 <a:ext uri="{FF2B5EF4-FFF2-40B4-BE49-F238E27FC236}">
-                  <a16:creationId xmlns:a16="http://schemas.microsoft.com/office/drawing/2014/main" id="{69BA3C01-A99C-A772-052C-ADD6E64278D8}"/>
+                  <a16:creationId xmlns:a16="http://schemas.microsoft.com/office/drawing/2014/main" id="{6BECF743-2806-0E4E-6F14-DDCFADBB8E5E}"/>
                 </a:ext>
               </a:extLst>
             </p:cNvPr>
@@ -3833,7 +5413,7 @@
             <p:cNvPr id="24" name="Rounded Rectangle 23">
               <a:extLst>
                 <a:ext uri="{FF2B5EF4-FFF2-40B4-BE49-F238E27FC236}">
-                  <a16:creationId xmlns:a16="http://schemas.microsoft.com/office/drawing/2014/main" id="{5258D294-9E75-56C5-291D-F231EB64EB12}"/>
+                  <a16:creationId xmlns:a16="http://schemas.microsoft.com/office/drawing/2014/main" id="{995C9979-2C7C-DCD3-0461-E212F89CE8B0}"/>
                 </a:ext>
               </a:extLst>
             </p:cNvPr>
@@ -3888,7 +5468,7 @@
             <p:cNvPr id="25" name="Oval 24">
               <a:extLst>
                 <a:ext uri="{FF2B5EF4-FFF2-40B4-BE49-F238E27FC236}">
-                  <a16:creationId xmlns:a16="http://schemas.microsoft.com/office/drawing/2014/main" id="{2440E1A8-68A4-F9E2-9872-50BF8CE827AD}"/>
+                  <a16:creationId xmlns:a16="http://schemas.microsoft.com/office/drawing/2014/main" id="{8C7288FA-6F66-C4BD-B904-254AD19D6F9C}"/>
                 </a:ext>
               </a:extLst>
             </p:cNvPr>
@@ -3944,7 +5524,7 @@
             <p:cNvPr id="26" name="Oval 25">
               <a:extLst>
                 <a:ext uri="{FF2B5EF4-FFF2-40B4-BE49-F238E27FC236}">
-                  <a16:creationId xmlns:a16="http://schemas.microsoft.com/office/drawing/2014/main" id="{E9375F2D-DB48-1ED1-E4FE-2D3AC0E079D3}"/>
+                  <a16:creationId xmlns:a16="http://schemas.microsoft.com/office/drawing/2014/main" id="{9D40AC18-FF49-C8C0-8675-CFDA7D9498D7}"/>
                 </a:ext>
               </a:extLst>
             </p:cNvPr>
@@ -4026,7 +5606,7 @@
             <p:cNvPr id="32" name="Graphic 31" descr="Pen with solid fill">
               <a:extLst>
                 <a:ext uri="{FF2B5EF4-FFF2-40B4-BE49-F238E27FC236}">
-                  <a16:creationId xmlns:a16="http://schemas.microsoft.com/office/drawing/2014/main" id="{E90F6928-985E-2BDD-B8FF-8912F8BF5003}"/>
+                  <a16:creationId xmlns:a16="http://schemas.microsoft.com/office/drawing/2014/main" id="{EC391B89-4B62-7457-1951-F33E210A7098}"/>
                 </a:ext>
               </a:extLst>
             </p:cNvPr>
@@ -4062,7 +5642,7 @@
             <p:cNvPr id="18" name="Graphic 17" descr="Pen with solid fill">
               <a:extLst>
                 <a:ext uri="{FF2B5EF4-FFF2-40B4-BE49-F238E27FC236}">
-                  <a16:creationId xmlns:a16="http://schemas.microsoft.com/office/drawing/2014/main" id="{D338F488-6CF7-262E-AE3B-38494A4839C1}"/>
+                  <a16:creationId xmlns:a16="http://schemas.microsoft.com/office/drawing/2014/main" id="{8B05E739-047F-4127-3A3D-4329694248E6}"/>
                 </a:ext>
               </a:extLst>
             </p:cNvPr>
@@ -4097,7 +5677,7 @@
     </p:spTree>
     <p:extLst>
       <p:ext uri="{BB962C8B-B14F-4D97-AF65-F5344CB8AC3E}">
-        <p14:creationId xmlns:p14="http://schemas.microsoft.com/office/powerpoint/2010/main" val="695687090"/>
+        <p14:creationId xmlns:p14="http://schemas.microsoft.com/office/powerpoint/2010/main" val="838351501"/>
       </p:ext>
     </p:extLst>
   </p:cSld>
@@ -4107,7 +5687,7 @@
 </p:sld>
 </file>
 
-<file path=ppt/slides/slide2.xml><?xml version="1.0" encoding="utf-8"?>
+<file path=ppt/slides/slide5.xml><?xml version="1.0" encoding="utf-8"?>
 <p:sld xmlns:a="http://schemas.openxmlformats.org/drawingml/2006/main" xmlns:r="http://schemas.openxmlformats.org/officeDocument/2006/relationships" xmlns:p="http://schemas.openxmlformats.org/presentationml/2006/main">
   <p:cSld>
     <p:spTree>
@@ -4822,7 +6402,7 @@
 </p:sld>
 </file>
 
-<file path=ppt/slides/slide3.xml><?xml version="1.0" encoding="utf-8"?>
+<file path=ppt/slides/slide6.xml><?xml version="1.0" encoding="utf-8"?>
 <p:sld xmlns:a="http://schemas.openxmlformats.org/drawingml/2006/main" xmlns:r="http://schemas.openxmlformats.org/officeDocument/2006/relationships" xmlns:p="http://schemas.openxmlformats.org/presentationml/2006/main">
   <p:cSld>
     <p:spTree>
